--- a/lectures/week10/lecture3/slides/week10_lecture3.pptx
+++ b/lectures/week10/lecture3/slides/week10_lecture3.pptx
@@ -214,7 +214,7 @@
           <a:p>
             <a:fld id="{125D7D83-D401-9A49-861D-A02E2788C764}" type="datetimeFigureOut">
               <a:rPr lang="en-US" smtClean="0"/>
-              <a:t>3/24/25</a:t>
+              <a:t>12/18/2025</a:t>
             </a:fld>
             <a:endParaRPr lang="en-US"/>
           </a:p>
@@ -2169,7 +2169,7 @@
                   <a:schemeClr val="accent6"/>
                 </a:solidFill>
               </a:rPr>
-              <a:t>11</a:t>
+              <a:t>10</a:t>
             </a:r>
             <a:r>
               <a:rPr lang="en-US" b="1" dirty="0"/>
@@ -2193,7 +2193,7 @@
                   <a:schemeClr val="accent6"/>
                 </a:solidFill>
               </a:rPr>
-              <a:t>1 </a:t>
+              <a:t>3 </a:t>
             </a:r>
             <a:r>
               <a:rPr lang="en-US" dirty="0">
@@ -2209,7 +2209,7 @@
                   <a:schemeClr val="accent6"/>
                 </a:solidFill>
               </a:rPr>
-              <a:t>11</a:t>
+              <a:t>10</a:t>
             </a:r>
             <a:r>
               <a:rPr lang="en-US" dirty="0"/>
@@ -2221,7 +2221,7 @@
                   <a:schemeClr val="accent6"/>
                 </a:solidFill>
               </a:rPr>
-              <a:t>1</a:t>
+              <a:t>3</a:t>
             </a:r>
             <a:r>
               <a:rPr lang="en-US" dirty="0">
@@ -8723,7 +8723,7 @@
                   <a:schemeClr val="accent6"/>
                 </a:solidFill>
               </a:rPr>
-              <a:t>11</a:t>
+              <a:t>10</a:t>
             </a:r>
             <a:r>
               <a:rPr lang="en-US" b="1" dirty="0"/>
@@ -8747,7 +8747,7 @@
                   <a:schemeClr val="accent6"/>
                 </a:solidFill>
               </a:rPr>
-              <a:t>1 </a:t>
+              <a:t>3 </a:t>
             </a:r>
             <a:r>
               <a:rPr lang="en-US" dirty="0">
@@ -8763,7 +8763,7 @@
                   <a:schemeClr val="accent6"/>
                 </a:solidFill>
               </a:rPr>
-              <a:t>11</a:t>
+              <a:t>10</a:t>
             </a:r>
             <a:r>
               <a:rPr lang="en-US" dirty="0"/>
@@ -8775,7 +8775,7 @@
                   <a:schemeClr val="accent6"/>
                 </a:solidFill>
               </a:rPr>
-              <a:t>1</a:t>
+              <a:t>3</a:t>
             </a:r>
             <a:r>
               <a:rPr lang="en-US" dirty="0">
